--- a/게임개발기획서.pptx
+++ b/게임개발기획서.pptx
@@ -107,6 +107,11 @@
       </a:defRPr>
     </a:lvl9pPr>
   </p:defaultTextStyle>
+  <p:extLst>
+    <p:ext uri="{EFAFB233-063F-42B5-8137-9DF3F51BA10A}">
+      <p15:sldGuideLst xmlns:p15="http://schemas.microsoft.com/office/powerpoint/2012/main"/>
+    </p:ext>
+  </p:extLst>
 </p:presentation>
 </file>
 
@@ -3380,589 +3385,1067 @@
           </a:p>
         </p:txBody>
       </p:sp>
-      <p:grpSp>
-        <p:nvGrpSpPr>
-          <p:cNvPr id="27" name="그룹 26">
-            <a:extLst>
-              <a:ext uri="{FF2B5EF4-FFF2-40B4-BE49-F238E27FC236}">
-                <a16:creationId xmlns:a16="http://schemas.microsoft.com/office/drawing/2014/main" id="{93AD3D79-2EE9-758F-60B5-C70481E56273}"/>
-              </a:ext>
-            </a:extLst>
-          </p:cNvPr>
-          <p:cNvGrpSpPr/>
+      <p:sp>
+        <p:nvSpPr>
+          <p:cNvPr id="5" name="직사각형 4">
+            <a:extLst>
+              <a:ext uri="{FF2B5EF4-FFF2-40B4-BE49-F238E27FC236}">
+                <a16:creationId xmlns:a16="http://schemas.microsoft.com/office/drawing/2014/main" id="{3A46AB64-E314-852B-137E-633A6AA0F0A6}"/>
+              </a:ext>
+            </a:extLst>
+          </p:cNvPr>
+          <p:cNvSpPr/>
           <p:nvPr/>
-        </p:nvGrpSpPr>
-        <p:grpSpPr>
+        </p:nvSpPr>
+        <p:spPr>
           <a:xfrm>
             <a:off x="2155465" y="1659836"/>
-            <a:ext cx="7881067" cy="4273826"/>
-            <a:chOff x="878289" y="1570383"/>
-            <a:chExt cx="7881067" cy="4273826"/>
+            <a:ext cx="2554357" cy="4273826"/>
           </a:xfrm>
-        </p:grpSpPr>
-        <p:sp>
-          <p:nvSpPr>
-            <p:cNvPr id="5" name="직사각형 4">
-              <a:extLst>
-                <a:ext uri="{FF2B5EF4-FFF2-40B4-BE49-F238E27FC236}">
-                  <a16:creationId xmlns:a16="http://schemas.microsoft.com/office/drawing/2014/main" id="{3A46AB64-E314-852B-137E-633A6AA0F0A6}"/>
-                </a:ext>
-              </a:extLst>
-            </p:cNvPr>
-            <p:cNvSpPr/>
-            <p:nvPr/>
-          </p:nvSpPr>
-          <p:spPr>
-            <a:xfrm>
-              <a:off x="878289" y="1570383"/>
-              <a:ext cx="2554357" cy="4273826"/>
-            </a:xfrm>
-            <a:prstGeom prst="rect">
-              <a:avLst/>
-            </a:prstGeom>
-            <a:noFill/>
-          </p:spPr>
-          <p:style>
-            <a:lnRef idx="2">
-              <a:schemeClr val="accent1">
-                <a:shade val="15000"/>
-              </a:schemeClr>
-            </a:lnRef>
-            <a:fillRef idx="1">
-              <a:schemeClr val="accent1"/>
-            </a:fillRef>
-            <a:effectRef idx="0">
-              <a:schemeClr val="accent1"/>
-            </a:effectRef>
-            <a:fontRef idx="minor">
-              <a:schemeClr val="lt1"/>
-            </a:fontRef>
-          </p:style>
-          <p:txBody>
-            <a:bodyPr rtlCol="0" anchor="ctr"/>
-            <a:lstStyle/>
-            <a:p>
-              <a:pPr algn="ctr"/>
-              <a:endParaRPr lang="ko-KR" altLang="en-US"/>
-            </a:p>
-          </p:txBody>
-        </p:sp>
-        <p:sp>
-          <p:nvSpPr>
-            <p:cNvPr id="12" name="TextBox 11">
-              <a:extLst>
-                <a:ext uri="{FF2B5EF4-FFF2-40B4-BE49-F238E27FC236}">
-                  <a16:creationId xmlns:a16="http://schemas.microsoft.com/office/drawing/2014/main" id="{32A3A96E-183E-12D9-085D-3B205448F3DE}"/>
-                </a:ext>
-              </a:extLst>
-            </p:cNvPr>
-            <p:cNvSpPr txBox="1"/>
-            <p:nvPr/>
-          </p:nvSpPr>
-          <p:spPr>
-            <a:xfrm>
-              <a:off x="1462763" y="2256183"/>
-              <a:ext cx="1523174" cy="523220"/>
-            </a:xfrm>
-            <a:prstGeom prst="rect">
-              <a:avLst/>
-            </a:prstGeom>
-            <a:noFill/>
-          </p:spPr>
-          <p:txBody>
-            <a:bodyPr wrap="none" rtlCol="0">
-              <a:spAutoFit/>
-            </a:bodyPr>
-            <a:lstStyle/>
-            <a:p>
-              <a:r>
-                <a:rPr lang="ko-KR" altLang="en-US" sz="2800">
-                  <a:latin typeface="AppleSDGothicNeoH00" panose="02000503000000000000" pitchFamily="2" charset="-127"/>
-                  <a:ea typeface="AppleSDGothicNeoH00" panose="02000503000000000000" pitchFamily="2" charset="-127"/>
-                </a:rPr>
-                <a:t>게임 이름</a:t>
-              </a:r>
-            </a:p>
-          </p:txBody>
-        </p:sp>
-        <p:sp>
-          <p:nvSpPr>
-            <p:cNvPr id="17" name="TextBox 16">
-              <a:extLst>
-                <a:ext uri="{FF2B5EF4-FFF2-40B4-BE49-F238E27FC236}">
-                  <a16:creationId xmlns:a16="http://schemas.microsoft.com/office/drawing/2014/main" id="{C72CA23D-A92C-A38D-B298-13EE06BEB2DB}"/>
-                </a:ext>
-              </a:extLst>
-            </p:cNvPr>
-            <p:cNvSpPr txBox="1"/>
-            <p:nvPr/>
-          </p:nvSpPr>
-          <p:spPr>
-            <a:xfrm>
-              <a:off x="1507693" y="4217263"/>
-              <a:ext cx="1295547" cy="523220"/>
-            </a:xfrm>
-            <a:prstGeom prst="rect">
-              <a:avLst/>
-            </a:prstGeom>
-            <a:noFill/>
-          </p:spPr>
-          <p:txBody>
-            <a:bodyPr wrap="none" rtlCol="0">
-              <a:spAutoFit/>
-            </a:bodyPr>
-            <a:lstStyle/>
-            <a:p>
-              <a:r>
-                <a:rPr lang="en-US" altLang="ko-KR" sz="2800">
-                  <a:latin typeface="AppleSDGothicNeoH00" panose="02000503000000000000" pitchFamily="2" charset="-127"/>
-                  <a:ea typeface="AppleSDGothicNeoH00" panose="02000503000000000000" pitchFamily="2" charset="-127"/>
-                </a:rPr>
-                <a:t>START</a:t>
-              </a:r>
-              <a:endParaRPr lang="ko-KR" altLang="en-US" sz="2800">
-                <a:latin typeface="AppleSDGothicNeoH00" panose="02000503000000000000" pitchFamily="2" charset="-127"/>
-                <a:ea typeface="AppleSDGothicNeoH00" panose="02000503000000000000" pitchFamily="2" charset="-127"/>
-              </a:endParaRPr>
-            </a:p>
-          </p:txBody>
-        </p:sp>
-        <p:sp>
-          <p:nvSpPr>
-            <p:cNvPr id="18" name="직사각형 17">
-              <a:extLst>
-                <a:ext uri="{FF2B5EF4-FFF2-40B4-BE49-F238E27FC236}">
-                  <a16:creationId xmlns:a16="http://schemas.microsoft.com/office/drawing/2014/main" id="{F8704568-F5BC-5B18-6B69-F911A7306A21}"/>
-                </a:ext>
-              </a:extLst>
-            </p:cNvPr>
-            <p:cNvSpPr/>
-            <p:nvPr/>
-          </p:nvSpPr>
-          <p:spPr>
-            <a:xfrm>
-              <a:off x="3535901" y="1570383"/>
-              <a:ext cx="2554357" cy="4273826"/>
-            </a:xfrm>
-            <a:prstGeom prst="rect">
-              <a:avLst/>
-            </a:prstGeom>
-            <a:noFill/>
-          </p:spPr>
-          <p:style>
-            <a:lnRef idx="2">
-              <a:schemeClr val="accent1">
-                <a:shade val="15000"/>
-              </a:schemeClr>
-            </a:lnRef>
-            <a:fillRef idx="1">
-              <a:schemeClr val="accent1"/>
-            </a:fillRef>
-            <a:effectRef idx="0">
-              <a:schemeClr val="accent1"/>
-            </a:effectRef>
-            <a:fontRef idx="minor">
-              <a:schemeClr val="lt1"/>
-            </a:fontRef>
-          </p:style>
-          <p:txBody>
-            <a:bodyPr rtlCol="0" anchor="ctr"/>
-            <a:lstStyle/>
-            <a:p>
-              <a:pPr algn="ctr"/>
-              <a:endParaRPr lang="ko-KR" altLang="en-US"/>
-            </a:p>
-          </p:txBody>
-        </p:sp>
-        <p:sp>
-          <p:nvSpPr>
-            <p:cNvPr id="19" name="TextBox 18">
-              <a:extLst>
-                <a:ext uri="{FF2B5EF4-FFF2-40B4-BE49-F238E27FC236}">
-                  <a16:creationId xmlns:a16="http://schemas.microsoft.com/office/drawing/2014/main" id="{E2ACB8B1-E376-A560-E61F-D8F65AF30039}"/>
-                </a:ext>
-              </a:extLst>
-            </p:cNvPr>
-            <p:cNvSpPr txBox="1"/>
-            <p:nvPr/>
-          </p:nvSpPr>
-          <p:spPr>
-            <a:xfrm>
-              <a:off x="4090293" y="2256183"/>
-              <a:ext cx="1523174" cy="523220"/>
-            </a:xfrm>
-            <a:prstGeom prst="rect">
-              <a:avLst/>
-            </a:prstGeom>
-            <a:noFill/>
-          </p:spPr>
-          <p:txBody>
-            <a:bodyPr wrap="none" rtlCol="0">
-              <a:spAutoFit/>
-            </a:bodyPr>
-            <a:lstStyle/>
-            <a:p>
-              <a:r>
-                <a:rPr lang="ko-KR" altLang="en-US" sz="2800">
-                  <a:latin typeface="AppleSDGothicNeoH00" panose="02000503000000000000" pitchFamily="2" charset="-127"/>
-                  <a:ea typeface="AppleSDGothicNeoH00" panose="02000503000000000000" pitchFamily="2" charset="-127"/>
-                </a:rPr>
-                <a:t>게임 이름</a:t>
-              </a:r>
-            </a:p>
-          </p:txBody>
-        </p:sp>
-        <p:sp>
-          <p:nvSpPr>
-            <p:cNvPr id="20" name="TextBox 19">
-              <a:extLst>
-                <a:ext uri="{FF2B5EF4-FFF2-40B4-BE49-F238E27FC236}">
-                  <a16:creationId xmlns:a16="http://schemas.microsoft.com/office/drawing/2014/main" id="{FEB3E85A-FD88-0579-991A-3D6D3B50BC2D}"/>
-                </a:ext>
-              </a:extLst>
-            </p:cNvPr>
-            <p:cNvSpPr txBox="1"/>
-            <p:nvPr/>
-          </p:nvSpPr>
-          <p:spPr>
-            <a:xfrm>
-              <a:off x="4254272" y="3524766"/>
-              <a:ext cx="1117614" cy="1815882"/>
-            </a:xfrm>
-            <a:prstGeom prst="rect">
-              <a:avLst/>
-            </a:prstGeom>
-            <a:noFill/>
-          </p:spPr>
-          <p:txBody>
-            <a:bodyPr wrap="none" rtlCol="0">
-              <a:spAutoFit/>
-            </a:bodyPr>
-            <a:lstStyle/>
-            <a:p>
-              <a:pPr algn="ctr"/>
-              <a:r>
-                <a:rPr lang="ko-KR" altLang="en-US" sz="2800">
-                  <a:latin typeface="AppleSDGothicNeoH00" panose="02000503000000000000" pitchFamily="2" charset="-127"/>
-                  <a:ea typeface="AppleSDGothicNeoH00" panose="02000503000000000000" pitchFamily="2" charset="-127"/>
-                </a:rPr>
-                <a:t>조윤진</a:t>
-              </a:r>
-              <a:br>
-                <a:rPr lang="en-US" altLang="ko-KR" sz="2800">
-                  <a:latin typeface="AppleSDGothicNeoH00" panose="02000503000000000000" pitchFamily="2" charset="-127"/>
-                  <a:ea typeface="AppleSDGothicNeoH00" panose="02000503000000000000" pitchFamily="2" charset="-127"/>
-                </a:rPr>
-              </a:br>
-              <a:r>
-                <a:rPr lang="ko-KR" altLang="en-US" sz="2800">
-                  <a:latin typeface="AppleSDGothicNeoH00" panose="02000503000000000000" pitchFamily="2" charset="-127"/>
-                  <a:ea typeface="AppleSDGothicNeoH00" panose="02000503000000000000" pitchFamily="2" charset="-127"/>
-                </a:rPr>
-                <a:t>이태훈</a:t>
-              </a:r>
-              <a:br>
-                <a:rPr lang="en-US" altLang="ko-KR" sz="2800">
-                  <a:latin typeface="AppleSDGothicNeoH00" panose="02000503000000000000" pitchFamily="2" charset="-127"/>
-                  <a:ea typeface="AppleSDGothicNeoH00" panose="02000503000000000000" pitchFamily="2" charset="-127"/>
-                </a:rPr>
-              </a:br>
-              <a:r>
-                <a:rPr lang="ko-KR" altLang="en-US" sz="2800">
-                  <a:latin typeface="AppleSDGothicNeoH00" panose="02000503000000000000" pitchFamily="2" charset="-127"/>
-                  <a:ea typeface="AppleSDGothicNeoH00" panose="02000503000000000000" pitchFamily="2" charset="-127"/>
-                </a:rPr>
-                <a:t>최빈</a:t>
-              </a:r>
-              <a:br>
-                <a:rPr lang="en-US" altLang="ko-KR" sz="2800">
-                  <a:latin typeface="AppleSDGothicNeoH00" panose="02000503000000000000" pitchFamily="2" charset="-127"/>
-                  <a:ea typeface="AppleSDGothicNeoH00" panose="02000503000000000000" pitchFamily="2" charset="-127"/>
-                </a:rPr>
-              </a:br>
-              <a:r>
-                <a:rPr lang="ko-KR" altLang="en-US" sz="2800">
-                  <a:latin typeface="AppleSDGothicNeoH00" panose="02000503000000000000" pitchFamily="2" charset="-127"/>
-                  <a:ea typeface="AppleSDGothicNeoH00" panose="02000503000000000000" pitchFamily="2" charset="-127"/>
-                </a:rPr>
-                <a:t>박기도</a:t>
-              </a:r>
-            </a:p>
-          </p:txBody>
-        </p:sp>
-        <p:sp>
-          <p:nvSpPr>
-            <p:cNvPr id="21" name="직사각형 20">
-              <a:extLst>
-                <a:ext uri="{FF2B5EF4-FFF2-40B4-BE49-F238E27FC236}">
-                  <a16:creationId xmlns:a16="http://schemas.microsoft.com/office/drawing/2014/main" id="{93D6B020-BD1F-3EA7-AF14-5631D41841CB}"/>
-                </a:ext>
-              </a:extLst>
-            </p:cNvPr>
-            <p:cNvSpPr/>
-            <p:nvPr/>
-          </p:nvSpPr>
-          <p:spPr>
-            <a:xfrm>
-              <a:off x="6204999" y="1570383"/>
-              <a:ext cx="2554357" cy="4273826"/>
-            </a:xfrm>
-            <a:prstGeom prst="rect">
-              <a:avLst/>
-            </a:prstGeom>
-            <a:noFill/>
-          </p:spPr>
-          <p:style>
-            <a:lnRef idx="2">
-              <a:schemeClr val="accent1">
-                <a:shade val="15000"/>
-              </a:schemeClr>
-            </a:lnRef>
-            <a:fillRef idx="1">
-              <a:schemeClr val="accent1"/>
-            </a:fillRef>
-            <a:effectRef idx="0">
-              <a:schemeClr val="accent1"/>
-            </a:effectRef>
-            <a:fontRef idx="minor">
-              <a:schemeClr val="lt1"/>
-            </a:fontRef>
-          </p:style>
-          <p:txBody>
-            <a:bodyPr rtlCol="0" anchor="ctr"/>
-            <a:lstStyle/>
-            <a:p>
-              <a:pPr algn="ctr"/>
-              <a:endParaRPr lang="ko-KR" altLang="en-US"/>
-            </a:p>
-          </p:txBody>
-        </p:sp>
-        <p:sp>
-          <p:nvSpPr>
-            <p:cNvPr id="22" name="TextBox 21">
-              <a:extLst>
-                <a:ext uri="{FF2B5EF4-FFF2-40B4-BE49-F238E27FC236}">
-                  <a16:creationId xmlns:a16="http://schemas.microsoft.com/office/drawing/2014/main" id="{E04F1C00-A199-146B-A820-0095773D8A40}"/>
-                </a:ext>
-              </a:extLst>
-            </p:cNvPr>
-            <p:cNvSpPr txBox="1"/>
-            <p:nvPr/>
-          </p:nvSpPr>
-          <p:spPr>
-            <a:xfrm>
-              <a:off x="6923370" y="2285965"/>
-              <a:ext cx="1117614" cy="523220"/>
-            </a:xfrm>
-            <a:prstGeom prst="rect">
-              <a:avLst/>
-            </a:prstGeom>
-            <a:noFill/>
-          </p:spPr>
-          <p:txBody>
-            <a:bodyPr wrap="none" rtlCol="0">
-              <a:spAutoFit/>
-            </a:bodyPr>
-            <a:lstStyle/>
-            <a:p>
-              <a:r>
-                <a:rPr lang="ko-KR" altLang="en-US" sz="2800">
-                  <a:latin typeface="AppleSDGothicNeoH00" panose="02000503000000000000" pitchFamily="2" charset="-127"/>
-                  <a:ea typeface="AppleSDGothicNeoH00" panose="02000503000000000000" pitchFamily="2" charset="-127"/>
-                </a:rPr>
-                <a:t>조윤진</a:t>
-              </a:r>
-            </a:p>
-          </p:txBody>
-        </p:sp>
-        <p:sp>
-          <p:nvSpPr>
-            <p:cNvPr id="23" name="TextBox 22">
-              <a:extLst>
-                <a:ext uri="{FF2B5EF4-FFF2-40B4-BE49-F238E27FC236}">
-                  <a16:creationId xmlns:a16="http://schemas.microsoft.com/office/drawing/2014/main" id="{9D080DF8-175A-875C-8EEA-30179CE61918}"/>
-                </a:ext>
-              </a:extLst>
-            </p:cNvPr>
-            <p:cNvSpPr txBox="1"/>
-            <p:nvPr/>
-          </p:nvSpPr>
-          <p:spPr>
-            <a:xfrm>
-              <a:off x="6751047" y="3634199"/>
-              <a:ext cx="1462260" cy="1384995"/>
-            </a:xfrm>
-            <a:prstGeom prst="rect">
-              <a:avLst/>
-            </a:prstGeom>
-            <a:noFill/>
-          </p:spPr>
-          <p:txBody>
-            <a:bodyPr wrap="none" rtlCol="0">
-              <a:spAutoFit/>
-            </a:bodyPr>
-            <a:lstStyle/>
-            <a:p>
-              <a:pPr algn="ctr"/>
-              <a:r>
-                <a:rPr lang="ko-KR" altLang="en-US" sz="2800">
-                  <a:latin typeface="AppleSDGothicNeoH00" panose="02000503000000000000" pitchFamily="2" charset="-127"/>
-                  <a:ea typeface="AppleSDGothicNeoH00" panose="02000503000000000000" pitchFamily="2" charset="-127"/>
-                </a:rPr>
-                <a:t>난이도 </a:t>
-              </a:r>
-              <a:r>
-                <a:rPr lang="en-US" altLang="ko-KR" sz="2800">
-                  <a:latin typeface="AppleSDGothicNeoH00" panose="02000503000000000000" pitchFamily="2" charset="-127"/>
-                  <a:ea typeface="AppleSDGothicNeoH00" panose="02000503000000000000" pitchFamily="2" charset="-127"/>
-                </a:rPr>
-                <a:t>A</a:t>
-              </a:r>
-              <a:br>
-                <a:rPr lang="en-US" altLang="ko-KR" sz="2800">
-                  <a:latin typeface="AppleSDGothicNeoH00" panose="02000503000000000000" pitchFamily="2" charset="-127"/>
-                  <a:ea typeface="AppleSDGothicNeoH00" panose="02000503000000000000" pitchFamily="2" charset="-127"/>
-                </a:rPr>
-              </a:br>
-              <a:r>
-                <a:rPr lang="ko-KR" altLang="en-US" sz="2800">
-                  <a:latin typeface="AppleSDGothicNeoH00" panose="02000503000000000000" pitchFamily="2" charset="-127"/>
-                  <a:ea typeface="AppleSDGothicNeoH00" panose="02000503000000000000" pitchFamily="2" charset="-127"/>
-                </a:rPr>
-                <a:t>난이도 </a:t>
-              </a:r>
-              <a:r>
-                <a:rPr lang="en-US" altLang="ko-KR" sz="2800">
-                  <a:latin typeface="AppleSDGothicNeoH00" panose="02000503000000000000" pitchFamily="2" charset="-127"/>
-                  <a:ea typeface="AppleSDGothicNeoH00" panose="02000503000000000000" pitchFamily="2" charset="-127"/>
-                </a:rPr>
-                <a:t>B</a:t>
-              </a:r>
-              <a:br>
-                <a:rPr lang="en-US" altLang="ko-KR" sz="2800">
-                  <a:latin typeface="AppleSDGothicNeoH00" panose="02000503000000000000" pitchFamily="2" charset="-127"/>
-                  <a:ea typeface="AppleSDGothicNeoH00" panose="02000503000000000000" pitchFamily="2" charset="-127"/>
-                </a:rPr>
-              </a:br>
-              <a:r>
-                <a:rPr lang="ko-KR" altLang="en-US" sz="2800">
-                  <a:latin typeface="AppleSDGothicNeoH00" panose="02000503000000000000" pitchFamily="2" charset="-127"/>
-                  <a:ea typeface="AppleSDGothicNeoH00" panose="02000503000000000000" pitchFamily="2" charset="-127"/>
-                </a:rPr>
-                <a:t>난이도 </a:t>
-              </a:r>
-              <a:r>
-                <a:rPr lang="en-US" altLang="ko-KR" sz="2800">
-                  <a:latin typeface="AppleSDGothicNeoH00" panose="02000503000000000000" pitchFamily="2" charset="-127"/>
-                  <a:ea typeface="AppleSDGothicNeoH00" panose="02000503000000000000" pitchFamily="2" charset="-127"/>
-                </a:rPr>
-                <a:t>C</a:t>
-              </a:r>
-              <a:endParaRPr lang="ko-KR" altLang="en-US" sz="2800">
-                <a:latin typeface="AppleSDGothicNeoH00" panose="02000503000000000000" pitchFamily="2" charset="-127"/>
-                <a:ea typeface="AppleSDGothicNeoH00" panose="02000503000000000000" pitchFamily="2" charset="-127"/>
-              </a:endParaRPr>
-            </a:p>
-          </p:txBody>
-        </p:sp>
-        <p:cxnSp>
-          <p:nvCxnSpPr>
-            <p:cNvPr id="25" name="직선 화살표 연결선 24">
-              <a:extLst>
-                <a:ext uri="{FF2B5EF4-FFF2-40B4-BE49-F238E27FC236}">
-                  <a16:creationId xmlns:a16="http://schemas.microsoft.com/office/drawing/2014/main" id="{34C2E417-E8BE-32CC-C500-0032F4BB82D0}"/>
-                </a:ext>
-              </a:extLst>
-            </p:cNvPr>
-            <p:cNvCxnSpPr>
-              <a:endCxn id="22" idx="1"/>
-            </p:cNvCxnSpPr>
-            <p:nvPr/>
-          </p:nvCxnSpPr>
-          <p:spPr>
-            <a:xfrm flipV="1">
-              <a:off x="5371886" y="2547575"/>
-              <a:ext cx="1551484" cy="1159721"/>
-            </a:xfrm>
-            <a:prstGeom prst="straightConnector1">
-              <a:avLst/>
-            </a:prstGeom>
-            <a:ln>
-              <a:tailEnd type="triangle"/>
-            </a:ln>
-          </p:spPr>
-          <p:style>
-            <a:lnRef idx="2">
-              <a:schemeClr val="accent1"/>
-            </a:lnRef>
-            <a:fillRef idx="0">
-              <a:schemeClr val="accent1"/>
-            </a:fillRef>
-            <a:effectRef idx="1">
-              <a:schemeClr val="accent1"/>
-            </a:effectRef>
-            <a:fontRef idx="minor">
-              <a:schemeClr val="tx1"/>
-            </a:fontRef>
-          </p:style>
-        </p:cxnSp>
-        <p:sp>
-          <p:nvSpPr>
-            <p:cNvPr id="26" name="사각형: 둥근 모서리 25">
-              <a:extLst>
-                <a:ext uri="{FF2B5EF4-FFF2-40B4-BE49-F238E27FC236}">
-                  <a16:creationId xmlns:a16="http://schemas.microsoft.com/office/drawing/2014/main" id="{A595DEB2-A4BC-A20A-A21A-95AEB0DD51FD}"/>
-                </a:ext>
-              </a:extLst>
-            </p:cNvPr>
-            <p:cNvSpPr/>
-            <p:nvPr/>
-          </p:nvSpPr>
-          <p:spPr>
-            <a:xfrm>
-              <a:off x="6436051" y="2964738"/>
-              <a:ext cx="777255" cy="212113"/>
-            </a:xfrm>
-            <a:prstGeom prst="roundRect">
-              <a:avLst/>
-            </a:prstGeom>
-          </p:spPr>
-          <p:style>
-            <a:lnRef idx="2">
-              <a:schemeClr val="accent1">
-                <a:shade val="15000"/>
-              </a:schemeClr>
-            </a:lnRef>
-            <a:fillRef idx="1">
-              <a:schemeClr val="accent1"/>
-            </a:fillRef>
-            <a:effectRef idx="0">
-              <a:schemeClr val="accent1"/>
-            </a:effectRef>
-            <a:fontRef idx="minor">
-              <a:schemeClr val="lt1"/>
-            </a:fontRef>
-          </p:style>
-          <p:txBody>
-            <a:bodyPr rtlCol="0" anchor="ctr"/>
-            <a:lstStyle/>
-            <a:p>
-              <a:pPr algn="ctr"/>
-              <a:r>
-                <a:rPr lang="ko-KR" altLang="en-US" sz="1100">
-                  <a:latin typeface="AppleSDGothicNeoB00" panose="02000503000000000000" pitchFamily="2" charset="-127"/>
-                  <a:ea typeface="AppleSDGothicNeoB00" panose="02000503000000000000" pitchFamily="2" charset="-127"/>
-                </a:rPr>
-                <a:t>클릭</a:t>
-              </a:r>
-              <a:endParaRPr lang="ko-KR" altLang="en-US">
+          <a:prstGeom prst="rect">
+            <a:avLst/>
+          </a:prstGeom>
+          <a:noFill/>
+        </p:spPr>
+        <p:style>
+          <a:lnRef idx="2">
+            <a:schemeClr val="accent1">
+              <a:shade val="15000"/>
+            </a:schemeClr>
+          </a:lnRef>
+          <a:fillRef idx="1">
+            <a:schemeClr val="accent1"/>
+          </a:fillRef>
+          <a:effectRef idx="0">
+            <a:schemeClr val="accent1"/>
+          </a:effectRef>
+          <a:fontRef idx="minor">
+            <a:schemeClr val="lt1"/>
+          </a:fontRef>
+        </p:style>
+        <p:txBody>
+          <a:bodyPr rtlCol="0" anchor="ctr"/>
+          <a:lstStyle/>
+          <a:p>
+            <a:pPr algn="ctr"/>
+            <a:endParaRPr lang="ko-KR" altLang="en-US"/>
+          </a:p>
+        </p:txBody>
+      </p:sp>
+      <p:sp>
+        <p:nvSpPr>
+          <p:cNvPr id="12" name="TextBox 11">
+            <a:extLst>
+              <a:ext uri="{FF2B5EF4-FFF2-40B4-BE49-F238E27FC236}">
+                <a16:creationId xmlns:a16="http://schemas.microsoft.com/office/drawing/2014/main" id="{32A3A96E-183E-12D9-085D-3B205448F3DE}"/>
+              </a:ext>
+            </a:extLst>
+          </p:cNvPr>
+          <p:cNvSpPr txBox="1"/>
+          <p:nvPr/>
+        </p:nvSpPr>
+        <p:spPr>
+          <a:xfrm>
+            <a:off x="2739939" y="2345636"/>
+            <a:ext cx="1523174" cy="523220"/>
+          </a:xfrm>
+          <a:prstGeom prst="rect">
+            <a:avLst/>
+          </a:prstGeom>
+          <a:noFill/>
+        </p:spPr>
+        <p:txBody>
+          <a:bodyPr wrap="none" rtlCol="0">
+            <a:spAutoFit/>
+          </a:bodyPr>
+          <a:lstStyle/>
+          <a:p>
+            <a:r>
+              <a:rPr lang="ko-KR" altLang="en-US" sz="2800">
+                <a:latin typeface="AppleSDGothicNeoH00" panose="02000503000000000000" pitchFamily="2" charset="-127"/>
+                <a:ea typeface="AppleSDGothicNeoH00" panose="02000503000000000000" pitchFamily="2" charset="-127"/>
+              </a:rPr>
+              <a:t>게임 이름</a:t>
+            </a:r>
+          </a:p>
+        </p:txBody>
+      </p:sp>
+      <p:sp>
+        <p:nvSpPr>
+          <p:cNvPr id="17" name="TextBox 16">
+            <a:extLst>
+              <a:ext uri="{FF2B5EF4-FFF2-40B4-BE49-F238E27FC236}">
+                <a16:creationId xmlns:a16="http://schemas.microsoft.com/office/drawing/2014/main" id="{C72CA23D-A92C-A38D-B298-13EE06BEB2DB}"/>
+              </a:ext>
+            </a:extLst>
+          </p:cNvPr>
+          <p:cNvSpPr txBox="1"/>
+          <p:nvPr/>
+        </p:nvSpPr>
+        <p:spPr>
+          <a:xfrm>
+            <a:off x="2784869" y="4306716"/>
+            <a:ext cx="1295547" cy="523220"/>
+          </a:xfrm>
+          <a:prstGeom prst="rect">
+            <a:avLst/>
+          </a:prstGeom>
+          <a:noFill/>
+        </p:spPr>
+        <p:txBody>
+          <a:bodyPr wrap="none" rtlCol="0">
+            <a:spAutoFit/>
+          </a:bodyPr>
+          <a:lstStyle/>
+          <a:p>
+            <a:r>
+              <a:rPr lang="en-US" altLang="ko-KR" sz="2800">
+                <a:latin typeface="AppleSDGothicNeoH00" panose="02000503000000000000" pitchFamily="2" charset="-127"/>
+                <a:ea typeface="AppleSDGothicNeoH00" panose="02000503000000000000" pitchFamily="2" charset="-127"/>
+              </a:rPr>
+              <a:t>START</a:t>
+            </a:r>
+            <a:endParaRPr lang="ko-KR" altLang="en-US" sz="2800">
+              <a:latin typeface="AppleSDGothicNeoH00" panose="02000503000000000000" pitchFamily="2" charset="-127"/>
+              <a:ea typeface="AppleSDGothicNeoH00" panose="02000503000000000000" pitchFamily="2" charset="-127"/>
+            </a:endParaRPr>
+          </a:p>
+        </p:txBody>
+      </p:sp>
+      <p:sp>
+        <p:nvSpPr>
+          <p:cNvPr id="18" name="직사각형 17">
+            <a:extLst>
+              <a:ext uri="{FF2B5EF4-FFF2-40B4-BE49-F238E27FC236}">
+                <a16:creationId xmlns:a16="http://schemas.microsoft.com/office/drawing/2014/main" id="{F8704568-F5BC-5B18-6B69-F911A7306A21}"/>
+              </a:ext>
+            </a:extLst>
+          </p:cNvPr>
+          <p:cNvSpPr/>
+          <p:nvPr/>
+        </p:nvSpPr>
+        <p:spPr>
+          <a:xfrm>
+            <a:off x="4813077" y="1659836"/>
+            <a:ext cx="2554357" cy="4273826"/>
+          </a:xfrm>
+          <a:prstGeom prst="rect">
+            <a:avLst/>
+          </a:prstGeom>
+          <a:noFill/>
+        </p:spPr>
+        <p:style>
+          <a:lnRef idx="2">
+            <a:schemeClr val="accent1">
+              <a:shade val="15000"/>
+            </a:schemeClr>
+          </a:lnRef>
+          <a:fillRef idx="1">
+            <a:schemeClr val="accent1"/>
+          </a:fillRef>
+          <a:effectRef idx="0">
+            <a:schemeClr val="accent1"/>
+          </a:effectRef>
+          <a:fontRef idx="minor">
+            <a:schemeClr val="lt1"/>
+          </a:fontRef>
+        </p:style>
+        <p:txBody>
+          <a:bodyPr rtlCol="0" anchor="ctr"/>
+          <a:lstStyle/>
+          <a:p>
+            <a:pPr algn="ctr"/>
+            <a:endParaRPr lang="ko-KR" altLang="en-US"/>
+          </a:p>
+        </p:txBody>
+      </p:sp>
+      <p:sp>
+        <p:nvSpPr>
+          <p:cNvPr id="19" name="TextBox 18">
+            <a:extLst>
+              <a:ext uri="{FF2B5EF4-FFF2-40B4-BE49-F238E27FC236}">
+                <a16:creationId xmlns:a16="http://schemas.microsoft.com/office/drawing/2014/main" id="{E2ACB8B1-E376-A560-E61F-D8F65AF30039}"/>
+              </a:ext>
+            </a:extLst>
+          </p:cNvPr>
+          <p:cNvSpPr txBox="1"/>
+          <p:nvPr/>
+        </p:nvSpPr>
+        <p:spPr>
+          <a:xfrm>
+            <a:off x="5367469" y="2345636"/>
+            <a:ext cx="1523174" cy="523220"/>
+          </a:xfrm>
+          <a:prstGeom prst="rect">
+            <a:avLst/>
+          </a:prstGeom>
+          <a:noFill/>
+        </p:spPr>
+        <p:txBody>
+          <a:bodyPr wrap="none" rtlCol="0">
+            <a:spAutoFit/>
+          </a:bodyPr>
+          <a:lstStyle/>
+          <a:p>
+            <a:r>
+              <a:rPr lang="ko-KR" altLang="en-US" sz="2800">
+                <a:latin typeface="AppleSDGothicNeoH00" panose="02000503000000000000" pitchFamily="2" charset="-127"/>
+                <a:ea typeface="AppleSDGothicNeoH00" panose="02000503000000000000" pitchFamily="2" charset="-127"/>
+              </a:rPr>
+              <a:t>게임 이름</a:t>
+            </a:r>
+          </a:p>
+        </p:txBody>
+      </p:sp>
+      <p:sp>
+        <p:nvSpPr>
+          <p:cNvPr id="20" name="TextBox 19">
+            <a:extLst>
+              <a:ext uri="{FF2B5EF4-FFF2-40B4-BE49-F238E27FC236}">
+                <a16:creationId xmlns:a16="http://schemas.microsoft.com/office/drawing/2014/main" id="{FEB3E85A-FD88-0579-991A-3D6D3B50BC2D}"/>
+              </a:ext>
+            </a:extLst>
+          </p:cNvPr>
+          <p:cNvSpPr txBox="1"/>
+          <p:nvPr/>
+        </p:nvSpPr>
+        <p:spPr>
+          <a:xfrm>
+            <a:off x="5531448" y="3614219"/>
+            <a:ext cx="1117614" cy="1815882"/>
+          </a:xfrm>
+          <a:prstGeom prst="rect">
+            <a:avLst/>
+          </a:prstGeom>
+          <a:noFill/>
+        </p:spPr>
+        <p:txBody>
+          <a:bodyPr wrap="none" rtlCol="0">
+            <a:spAutoFit/>
+          </a:bodyPr>
+          <a:lstStyle/>
+          <a:p>
+            <a:pPr algn="ctr"/>
+            <a:r>
+              <a:rPr lang="ko-KR" altLang="en-US" sz="2800">
+                <a:latin typeface="AppleSDGothicNeoH00" panose="02000503000000000000" pitchFamily="2" charset="-127"/>
+                <a:ea typeface="AppleSDGothicNeoH00" panose="02000503000000000000" pitchFamily="2" charset="-127"/>
+              </a:rPr>
+              <a:t>조윤진</a:t>
+            </a:r>
+            <a:br>
+              <a:rPr lang="en-US" altLang="ko-KR" sz="2800">
+                <a:latin typeface="AppleSDGothicNeoH00" panose="02000503000000000000" pitchFamily="2" charset="-127"/>
+                <a:ea typeface="AppleSDGothicNeoH00" panose="02000503000000000000" pitchFamily="2" charset="-127"/>
+              </a:rPr>
+            </a:br>
+            <a:r>
+              <a:rPr lang="ko-KR" altLang="en-US" sz="2800">
+                <a:latin typeface="AppleSDGothicNeoH00" panose="02000503000000000000" pitchFamily="2" charset="-127"/>
+                <a:ea typeface="AppleSDGothicNeoH00" panose="02000503000000000000" pitchFamily="2" charset="-127"/>
+              </a:rPr>
+              <a:t>이태훈</a:t>
+            </a:r>
+            <a:br>
+              <a:rPr lang="en-US" altLang="ko-KR" sz="2800">
+                <a:latin typeface="AppleSDGothicNeoH00" panose="02000503000000000000" pitchFamily="2" charset="-127"/>
+                <a:ea typeface="AppleSDGothicNeoH00" panose="02000503000000000000" pitchFamily="2" charset="-127"/>
+              </a:rPr>
+            </a:br>
+            <a:r>
+              <a:rPr lang="ko-KR" altLang="en-US" sz="2800">
+                <a:latin typeface="AppleSDGothicNeoH00" panose="02000503000000000000" pitchFamily="2" charset="-127"/>
+                <a:ea typeface="AppleSDGothicNeoH00" panose="02000503000000000000" pitchFamily="2" charset="-127"/>
+              </a:rPr>
+              <a:t>최빈</a:t>
+            </a:r>
+            <a:br>
+              <a:rPr lang="en-US" altLang="ko-KR" sz="2800">
+                <a:latin typeface="AppleSDGothicNeoH00" panose="02000503000000000000" pitchFamily="2" charset="-127"/>
+                <a:ea typeface="AppleSDGothicNeoH00" panose="02000503000000000000" pitchFamily="2" charset="-127"/>
+              </a:rPr>
+            </a:br>
+            <a:r>
+              <a:rPr lang="ko-KR" altLang="en-US" sz="2800">
+                <a:latin typeface="AppleSDGothicNeoH00" panose="02000503000000000000" pitchFamily="2" charset="-127"/>
+                <a:ea typeface="AppleSDGothicNeoH00" panose="02000503000000000000" pitchFamily="2" charset="-127"/>
+              </a:rPr>
+              <a:t>박기도</a:t>
+            </a:r>
+          </a:p>
+        </p:txBody>
+      </p:sp>
+      <p:sp>
+        <p:nvSpPr>
+          <p:cNvPr id="21" name="직사각형 20">
+            <a:extLst>
+              <a:ext uri="{FF2B5EF4-FFF2-40B4-BE49-F238E27FC236}">
+                <a16:creationId xmlns:a16="http://schemas.microsoft.com/office/drawing/2014/main" id="{93D6B020-BD1F-3EA7-AF14-5631D41841CB}"/>
+              </a:ext>
+            </a:extLst>
+          </p:cNvPr>
+          <p:cNvSpPr/>
+          <p:nvPr/>
+        </p:nvSpPr>
+        <p:spPr>
+          <a:xfrm>
+            <a:off x="7482175" y="1659836"/>
+            <a:ext cx="2554357" cy="4273826"/>
+          </a:xfrm>
+          <a:prstGeom prst="rect">
+            <a:avLst/>
+          </a:prstGeom>
+          <a:noFill/>
+        </p:spPr>
+        <p:style>
+          <a:lnRef idx="2">
+            <a:schemeClr val="accent1">
+              <a:shade val="15000"/>
+            </a:schemeClr>
+          </a:lnRef>
+          <a:fillRef idx="1">
+            <a:schemeClr val="accent1"/>
+          </a:fillRef>
+          <a:effectRef idx="0">
+            <a:schemeClr val="accent1"/>
+          </a:effectRef>
+          <a:fontRef idx="minor">
+            <a:schemeClr val="lt1"/>
+          </a:fontRef>
+        </p:style>
+        <p:txBody>
+          <a:bodyPr rtlCol="0" anchor="ctr"/>
+          <a:lstStyle/>
+          <a:p>
+            <a:pPr algn="ctr"/>
+            <a:endParaRPr lang="ko-KR" altLang="en-US"/>
+          </a:p>
+        </p:txBody>
+      </p:sp>
+      <p:sp>
+        <p:nvSpPr>
+          <p:cNvPr id="22" name="TextBox 21">
+            <a:extLst>
+              <a:ext uri="{FF2B5EF4-FFF2-40B4-BE49-F238E27FC236}">
+                <a16:creationId xmlns:a16="http://schemas.microsoft.com/office/drawing/2014/main" id="{E04F1C00-A199-146B-A820-0095773D8A40}"/>
+              </a:ext>
+            </a:extLst>
+          </p:cNvPr>
+          <p:cNvSpPr txBox="1"/>
+          <p:nvPr/>
+        </p:nvSpPr>
+        <p:spPr>
+          <a:xfrm>
+            <a:off x="8200546" y="2375418"/>
+            <a:ext cx="1117614" cy="523220"/>
+          </a:xfrm>
+          <a:prstGeom prst="rect">
+            <a:avLst/>
+          </a:prstGeom>
+          <a:noFill/>
+        </p:spPr>
+        <p:txBody>
+          <a:bodyPr wrap="none" rtlCol="0">
+            <a:spAutoFit/>
+          </a:bodyPr>
+          <a:lstStyle/>
+          <a:p>
+            <a:r>
+              <a:rPr lang="ko-KR" altLang="en-US" sz="2800">
+                <a:latin typeface="AppleSDGothicNeoH00" panose="02000503000000000000" pitchFamily="2" charset="-127"/>
+                <a:ea typeface="AppleSDGothicNeoH00" panose="02000503000000000000" pitchFamily="2" charset="-127"/>
+              </a:rPr>
+              <a:t>조윤진</a:t>
+            </a:r>
+          </a:p>
+        </p:txBody>
+      </p:sp>
+      <p:sp>
+        <p:nvSpPr>
+          <p:cNvPr id="23" name="TextBox 22">
+            <a:extLst>
+              <a:ext uri="{FF2B5EF4-FFF2-40B4-BE49-F238E27FC236}">
+                <a16:creationId xmlns:a16="http://schemas.microsoft.com/office/drawing/2014/main" id="{9D080DF8-175A-875C-8EEA-30179CE61918}"/>
+              </a:ext>
+            </a:extLst>
+          </p:cNvPr>
+          <p:cNvSpPr txBox="1"/>
+          <p:nvPr/>
+        </p:nvSpPr>
+        <p:spPr>
+          <a:xfrm>
+            <a:off x="8028223" y="3723652"/>
+            <a:ext cx="1462260" cy="1384995"/>
+          </a:xfrm>
+          <a:prstGeom prst="rect">
+            <a:avLst/>
+          </a:prstGeom>
+          <a:noFill/>
+        </p:spPr>
+        <p:txBody>
+          <a:bodyPr wrap="none" rtlCol="0">
+            <a:spAutoFit/>
+          </a:bodyPr>
+          <a:lstStyle/>
+          <a:p>
+            <a:pPr algn="ctr"/>
+            <a:r>
+              <a:rPr lang="ko-KR" altLang="en-US" sz="2800">
+                <a:latin typeface="AppleSDGothicNeoH00" panose="02000503000000000000" pitchFamily="2" charset="-127"/>
+                <a:ea typeface="AppleSDGothicNeoH00" panose="02000503000000000000" pitchFamily="2" charset="-127"/>
+              </a:rPr>
+              <a:t>난이도 </a:t>
+            </a:r>
+            <a:r>
+              <a:rPr lang="en-US" altLang="ko-KR" sz="2800">
+                <a:latin typeface="AppleSDGothicNeoH00" panose="02000503000000000000" pitchFamily="2" charset="-127"/>
+                <a:ea typeface="AppleSDGothicNeoH00" panose="02000503000000000000" pitchFamily="2" charset="-127"/>
+              </a:rPr>
+              <a:t>A</a:t>
+            </a:r>
+            <a:br>
+              <a:rPr lang="en-US" altLang="ko-KR" sz="2800">
+                <a:latin typeface="AppleSDGothicNeoH00" panose="02000503000000000000" pitchFamily="2" charset="-127"/>
+                <a:ea typeface="AppleSDGothicNeoH00" panose="02000503000000000000" pitchFamily="2" charset="-127"/>
+              </a:rPr>
+            </a:br>
+            <a:r>
+              <a:rPr lang="ko-KR" altLang="en-US" sz="2800">
+                <a:latin typeface="AppleSDGothicNeoH00" panose="02000503000000000000" pitchFamily="2" charset="-127"/>
+                <a:ea typeface="AppleSDGothicNeoH00" panose="02000503000000000000" pitchFamily="2" charset="-127"/>
+              </a:rPr>
+              <a:t>난이도 </a:t>
+            </a:r>
+            <a:r>
+              <a:rPr lang="en-US" altLang="ko-KR" sz="2800">
+                <a:latin typeface="AppleSDGothicNeoH00" panose="02000503000000000000" pitchFamily="2" charset="-127"/>
+                <a:ea typeface="AppleSDGothicNeoH00" panose="02000503000000000000" pitchFamily="2" charset="-127"/>
+              </a:rPr>
+              <a:t>B</a:t>
+            </a:r>
+            <a:br>
+              <a:rPr lang="en-US" altLang="ko-KR" sz="2800">
+                <a:latin typeface="AppleSDGothicNeoH00" panose="02000503000000000000" pitchFamily="2" charset="-127"/>
+                <a:ea typeface="AppleSDGothicNeoH00" panose="02000503000000000000" pitchFamily="2" charset="-127"/>
+              </a:rPr>
+            </a:br>
+            <a:r>
+              <a:rPr lang="ko-KR" altLang="en-US" sz="2800">
+                <a:latin typeface="AppleSDGothicNeoH00" panose="02000503000000000000" pitchFamily="2" charset="-127"/>
+                <a:ea typeface="AppleSDGothicNeoH00" panose="02000503000000000000" pitchFamily="2" charset="-127"/>
+              </a:rPr>
+              <a:t>난이도 </a:t>
+            </a:r>
+            <a:r>
+              <a:rPr lang="en-US" altLang="ko-KR" sz="2800">
+                <a:latin typeface="AppleSDGothicNeoH00" panose="02000503000000000000" pitchFamily="2" charset="-127"/>
+                <a:ea typeface="AppleSDGothicNeoH00" panose="02000503000000000000" pitchFamily="2" charset="-127"/>
+              </a:rPr>
+              <a:t>C</a:t>
+            </a:r>
+            <a:endParaRPr lang="ko-KR" altLang="en-US" sz="2800">
+              <a:latin typeface="AppleSDGothicNeoH00" panose="02000503000000000000" pitchFamily="2" charset="-127"/>
+              <a:ea typeface="AppleSDGothicNeoH00" panose="02000503000000000000" pitchFamily="2" charset="-127"/>
+            </a:endParaRPr>
+          </a:p>
+        </p:txBody>
+      </p:sp>
+      <p:cxnSp>
+        <p:nvCxnSpPr>
+          <p:cNvPr id="25" name="직선 화살표 연결선 24">
+            <a:extLst>
+              <a:ext uri="{FF2B5EF4-FFF2-40B4-BE49-F238E27FC236}">
+                <a16:creationId xmlns:a16="http://schemas.microsoft.com/office/drawing/2014/main" id="{34C2E417-E8BE-32CC-C500-0032F4BB82D0}"/>
+              </a:ext>
+            </a:extLst>
+          </p:cNvPr>
+          <p:cNvCxnSpPr>
+            <a:endCxn id="22" idx="1"/>
+          </p:cNvCxnSpPr>
+          <p:nvPr/>
+        </p:nvCxnSpPr>
+        <p:spPr>
+          <a:xfrm flipV="1">
+            <a:off x="6649062" y="2637028"/>
+            <a:ext cx="1551484" cy="1159721"/>
+          </a:xfrm>
+          <a:prstGeom prst="straightConnector1">
+            <a:avLst/>
+          </a:prstGeom>
+          <a:ln>
+            <a:tailEnd type="triangle"/>
+          </a:ln>
+        </p:spPr>
+        <p:style>
+          <a:lnRef idx="2">
+            <a:schemeClr val="accent1"/>
+          </a:lnRef>
+          <a:fillRef idx="0">
+            <a:schemeClr val="accent1"/>
+          </a:fillRef>
+          <a:effectRef idx="1">
+            <a:schemeClr val="accent1"/>
+          </a:effectRef>
+          <a:fontRef idx="minor">
+            <a:schemeClr val="tx1"/>
+          </a:fontRef>
+        </p:style>
+      </p:cxnSp>
+      <p:sp>
+        <p:nvSpPr>
+          <p:cNvPr id="26" name="사각형: 둥근 모서리 25">
+            <a:extLst>
+              <a:ext uri="{FF2B5EF4-FFF2-40B4-BE49-F238E27FC236}">
+                <a16:creationId xmlns:a16="http://schemas.microsoft.com/office/drawing/2014/main" id="{A595DEB2-A4BC-A20A-A21A-95AEB0DD51FD}"/>
+              </a:ext>
+            </a:extLst>
+          </p:cNvPr>
+          <p:cNvSpPr/>
+          <p:nvPr/>
+        </p:nvSpPr>
+        <p:spPr>
+          <a:xfrm>
+            <a:off x="7713227" y="3054191"/>
+            <a:ext cx="777255" cy="212113"/>
+          </a:xfrm>
+          <a:prstGeom prst="roundRect">
+            <a:avLst/>
+          </a:prstGeom>
+        </p:spPr>
+        <p:style>
+          <a:lnRef idx="2">
+            <a:schemeClr val="accent1">
+              <a:shade val="15000"/>
+            </a:schemeClr>
+          </a:lnRef>
+          <a:fillRef idx="1">
+            <a:schemeClr val="accent1"/>
+          </a:fillRef>
+          <a:effectRef idx="0">
+            <a:schemeClr val="accent1"/>
+          </a:effectRef>
+          <a:fontRef idx="minor">
+            <a:schemeClr val="lt1"/>
+          </a:fontRef>
+        </p:style>
+        <p:txBody>
+          <a:bodyPr rtlCol="0" anchor="ctr"/>
+          <a:lstStyle/>
+          <a:p>
+            <a:pPr algn="ctr"/>
+            <a:r>
+              <a:rPr lang="ko-KR" altLang="en-US" sz="1100">
                 <a:latin typeface="AppleSDGothicNeoB00" panose="02000503000000000000" pitchFamily="2" charset="-127"/>
                 <a:ea typeface="AppleSDGothicNeoB00" panose="02000503000000000000" pitchFamily="2" charset="-127"/>
-              </a:endParaRPr>
-            </a:p>
-          </p:txBody>
-        </p:sp>
-      </p:grpSp>
+              </a:rPr>
+              <a:t>클릭</a:t>
+            </a:r>
+            <a:endParaRPr lang="ko-KR" altLang="en-US">
+              <a:latin typeface="AppleSDGothicNeoB00" panose="02000503000000000000" pitchFamily="2" charset="-127"/>
+              <a:ea typeface="AppleSDGothicNeoB00" panose="02000503000000000000" pitchFamily="2" charset="-127"/>
+            </a:endParaRPr>
+          </a:p>
+        </p:txBody>
+      </p:sp>
+      <p:sp>
+        <p:nvSpPr>
+          <p:cNvPr id="2" name="TextBox 1">
+            <a:extLst>
+              <a:ext uri="{FF2B5EF4-FFF2-40B4-BE49-F238E27FC236}">
+                <a16:creationId xmlns:a16="http://schemas.microsoft.com/office/drawing/2014/main" id="{5AE6ECA1-965F-5593-9CD4-F3D5EAF718AB}"/>
+              </a:ext>
+            </a:extLst>
+          </p:cNvPr>
+          <p:cNvSpPr txBox="1"/>
+          <p:nvPr/>
+        </p:nvSpPr>
+        <p:spPr>
+          <a:xfrm>
+            <a:off x="10267584" y="-1062274"/>
+            <a:ext cx="5707012" cy="9571851"/>
+          </a:xfrm>
+          <a:prstGeom prst="rect">
+            <a:avLst/>
+          </a:prstGeom>
+          <a:noFill/>
+        </p:spPr>
+        <p:txBody>
+          <a:bodyPr wrap="none" rtlCol="0">
+            <a:spAutoFit/>
+          </a:bodyPr>
+          <a:lstStyle/>
+          <a:p>
+            <a:r>
+              <a:rPr lang="en-US" altLang="ko-KR" sz="2800">
+                <a:latin typeface="AppleSDGothicNeoH00" panose="02000503000000000000" pitchFamily="2" charset="-127"/>
+                <a:ea typeface="AppleSDGothicNeoH00" panose="02000503000000000000" pitchFamily="2" charset="-127"/>
+              </a:rPr>
+              <a:t>a. </a:t>
+            </a:r>
+            <a:br>
+              <a:rPr lang="en-US" altLang="ko-KR" sz="2800">
+                <a:latin typeface="AppleSDGothicNeoH00" panose="02000503000000000000" pitchFamily="2" charset="-127"/>
+                <a:ea typeface="AppleSDGothicNeoH00" panose="02000503000000000000" pitchFamily="2" charset="-127"/>
+              </a:rPr>
+            </a:br>
+            <a:r>
+              <a:rPr lang="ko-KR" altLang="en-US" sz="2800">
+                <a:latin typeface="AppleSDGothicNeoH00" panose="02000503000000000000" pitchFamily="2" charset="-127"/>
+                <a:ea typeface="AppleSDGothicNeoH00" panose="02000503000000000000" pitchFamily="2" charset="-127"/>
+              </a:rPr>
+              <a:t>게임매니저 싱글톤 하고</a:t>
+            </a:r>
+            <a:br>
+              <a:rPr lang="en-US" altLang="ko-KR" sz="2800">
+                <a:latin typeface="AppleSDGothicNeoH00" panose="02000503000000000000" pitchFamily="2" charset="-127"/>
+                <a:ea typeface="AppleSDGothicNeoH00" panose="02000503000000000000" pitchFamily="2" charset="-127"/>
+              </a:rPr>
+            </a:br>
+            <a:r>
+              <a:rPr lang="ko-KR" altLang="en-US" sz="2800">
+                <a:latin typeface="AppleSDGothicNeoH00" panose="02000503000000000000" pitchFamily="2" charset="-127"/>
+                <a:ea typeface="AppleSDGothicNeoH00" panose="02000503000000000000" pitchFamily="2" charset="-127"/>
+              </a:rPr>
+              <a:t>스타트씬 게임매니저 입혀서</a:t>
+            </a:r>
+            <a:endParaRPr lang="en-US" altLang="ko-KR" sz="2800">
+              <a:latin typeface="AppleSDGothicNeoH00" panose="02000503000000000000" pitchFamily="2" charset="-127"/>
+              <a:ea typeface="AppleSDGothicNeoH00" panose="02000503000000000000" pitchFamily="2" charset="-127"/>
+            </a:endParaRPr>
+          </a:p>
+          <a:p>
+            <a:r>
+              <a:rPr lang="ko-KR" altLang="en-US" sz="2800">
+                <a:latin typeface="AppleSDGothicNeoH00" panose="02000503000000000000" pitchFamily="2" charset="-127"/>
+                <a:ea typeface="AppleSDGothicNeoH00" panose="02000503000000000000" pitchFamily="2" charset="-127"/>
+              </a:rPr>
+              <a:t>이름씬에서 이름 </a:t>
+            </a:r>
+            <a:r>
+              <a:rPr lang="en-US" altLang="ko-KR" sz="2800">
+                <a:latin typeface="AppleSDGothicNeoH00" panose="02000503000000000000" pitchFamily="2" charset="-127"/>
+                <a:ea typeface="AppleSDGothicNeoH00" panose="02000503000000000000" pitchFamily="2" charset="-127"/>
+              </a:rPr>
+              <a:t>&gt; </a:t>
+            </a:r>
+            <a:r>
+              <a:rPr lang="ko-KR" altLang="en-US" sz="2800">
+                <a:latin typeface="AppleSDGothicNeoH00" panose="02000503000000000000" pitchFamily="2" charset="-127"/>
+                <a:ea typeface="AppleSDGothicNeoH00" panose="02000503000000000000" pitchFamily="2" charset="-127"/>
+              </a:rPr>
+              <a:t>난이도씬</a:t>
+            </a:r>
+            <a:endParaRPr lang="en-US" altLang="ko-KR" sz="2800">
+              <a:latin typeface="AppleSDGothicNeoH00" panose="02000503000000000000" pitchFamily="2" charset="-127"/>
+              <a:ea typeface="AppleSDGothicNeoH00" panose="02000503000000000000" pitchFamily="2" charset="-127"/>
+            </a:endParaRPr>
+          </a:p>
+          <a:p>
+            <a:r>
+              <a:rPr lang="ko-KR" altLang="en-US" sz="2800">
+                <a:latin typeface="AppleSDGothicNeoH00" panose="02000503000000000000" pitchFamily="2" charset="-127"/>
+                <a:ea typeface="AppleSDGothicNeoH00" panose="02000503000000000000" pitchFamily="2" charset="-127"/>
+              </a:rPr>
+              <a:t>스타트</a:t>
+            </a:r>
+            <a:r>
+              <a:rPr lang="en-US" altLang="ko-KR" sz="2800">
+                <a:latin typeface="AppleSDGothicNeoH00" panose="02000503000000000000" pitchFamily="2" charset="-127"/>
+                <a:ea typeface="AppleSDGothicNeoH00" panose="02000503000000000000" pitchFamily="2" charset="-127"/>
+              </a:rPr>
+              <a:t>/</a:t>
+            </a:r>
+            <a:r>
+              <a:rPr lang="ko-KR" altLang="en-US" sz="2800">
+                <a:latin typeface="AppleSDGothicNeoH00" panose="02000503000000000000" pitchFamily="2" charset="-127"/>
+                <a:ea typeface="AppleSDGothicNeoH00" panose="02000503000000000000" pitchFamily="2" charset="-127"/>
+              </a:rPr>
+              <a:t>이름</a:t>
+            </a:r>
+            <a:r>
+              <a:rPr lang="en-US" altLang="ko-KR" sz="2800">
+                <a:latin typeface="AppleSDGothicNeoH00" panose="02000503000000000000" pitchFamily="2" charset="-127"/>
+                <a:ea typeface="AppleSDGothicNeoH00" panose="02000503000000000000" pitchFamily="2" charset="-127"/>
+              </a:rPr>
+              <a:t>/</a:t>
+            </a:r>
+            <a:r>
+              <a:rPr lang="ko-KR" altLang="en-US" sz="2800">
+                <a:latin typeface="AppleSDGothicNeoH00" panose="02000503000000000000" pitchFamily="2" charset="-127"/>
+                <a:ea typeface="AppleSDGothicNeoH00" panose="02000503000000000000" pitchFamily="2" charset="-127"/>
+              </a:rPr>
+              <a:t>난이도</a:t>
+            </a:r>
+            <a:br>
+              <a:rPr lang="en-US" altLang="ko-KR" sz="2800">
+                <a:latin typeface="AppleSDGothicNeoH00" panose="02000503000000000000" pitchFamily="2" charset="-127"/>
+                <a:ea typeface="AppleSDGothicNeoH00" panose="02000503000000000000" pitchFamily="2" charset="-127"/>
+              </a:rPr>
+            </a:br>
+            <a:br>
+              <a:rPr lang="en-US" altLang="ko-KR" sz="2800">
+                <a:latin typeface="AppleSDGothicNeoH00" panose="02000503000000000000" pitchFamily="2" charset="-127"/>
+                <a:ea typeface="AppleSDGothicNeoH00" panose="02000503000000000000" pitchFamily="2" charset="-127"/>
+              </a:rPr>
+            </a:br>
+            <a:r>
+              <a:rPr lang="en-US" altLang="ko-KR" sz="2800">
+                <a:latin typeface="AppleSDGothicNeoH00" panose="02000503000000000000" pitchFamily="2" charset="-127"/>
+                <a:ea typeface="AppleSDGothicNeoH00" panose="02000503000000000000" pitchFamily="2" charset="-127"/>
+              </a:rPr>
+              <a:t>b. </a:t>
+            </a:r>
+            <a:br>
+              <a:rPr lang="en-US" altLang="ko-KR" sz="2800">
+                <a:latin typeface="AppleSDGothicNeoH00" panose="02000503000000000000" pitchFamily="2" charset="-127"/>
+                <a:ea typeface="AppleSDGothicNeoH00" panose="02000503000000000000" pitchFamily="2" charset="-127"/>
+              </a:rPr>
+            </a:br>
+            <a:r>
+              <a:rPr lang="ko-KR" altLang="en-US" sz="2800">
+                <a:latin typeface="AppleSDGothicNeoH00" panose="02000503000000000000" pitchFamily="2" charset="-127"/>
+                <a:ea typeface="AppleSDGothicNeoH00" panose="02000503000000000000" pitchFamily="2" charset="-127"/>
+              </a:rPr>
+              <a:t>카드뒤집기</a:t>
+            </a:r>
+            <a:endParaRPr lang="en-US" altLang="ko-KR" sz="2800">
+              <a:latin typeface="AppleSDGothicNeoH00" panose="02000503000000000000" pitchFamily="2" charset="-127"/>
+              <a:ea typeface="AppleSDGothicNeoH00" panose="02000503000000000000" pitchFamily="2" charset="-127"/>
+            </a:endParaRPr>
+          </a:p>
+          <a:p>
+            <a:r>
+              <a:rPr lang="en-US" altLang="ko-KR" sz="2800">
+                <a:latin typeface="AppleSDGothicNeoH00" panose="02000503000000000000" pitchFamily="2" charset="-127"/>
+                <a:ea typeface="AppleSDGothicNeoH00" panose="02000503000000000000" pitchFamily="2" charset="-127"/>
+              </a:rPr>
+              <a:t>8</a:t>
+            </a:r>
+            <a:r>
+              <a:rPr lang="ko-KR" altLang="en-US" sz="2800">
+                <a:latin typeface="AppleSDGothicNeoH00" panose="02000503000000000000" pitchFamily="2" charset="-127"/>
+                <a:ea typeface="AppleSDGothicNeoH00" panose="02000503000000000000" pitchFamily="2" charset="-127"/>
+              </a:rPr>
+              <a:t>장</a:t>
+            </a:r>
+            <a:r>
+              <a:rPr lang="en-US" altLang="ko-KR" sz="2800">
+                <a:latin typeface="AppleSDGothicNeoH00" panose="02000503000000000000" pitchFamily="2" charset="-127"/>
+                <a:ea typeface="AppleSDGothicNeoH00" panose="02000503000000000000" pitchFamily="2" charset="-127"/>
+              </a:rPr>
+              <a:t>/10</a:t>
+            </a:r>
+            <a:r>
+              <a:rPr lang="ko-KR" altLang="en-US" sz="2800">
+                <a:latin typeface="AppleSDGothicNeoH00" panose="02000503000000000000" pitchFamily="2" charset="-127"/>
+                <a:ea typeface="AppleSDGothicNeoH00" panose="02000503000000000000" pitchFamily="2" charset="-127"/>
+              </a:rPr>
+              <a:t>장</a:t>
+            </a:r>
+            <a:r>
+              <a:rPr lang="en-US" altLang="ko-KR" sz="2800">
+                <a:latin typeface="AppleSDGothicNeoH00" panose="02000503000000000000" pitchFamily="2" charset="-127"/>
+                <a:ea typeface="AppleSDGothicNeoH00" panose="02000503000000000000" pitchFamily="2" charset="-127"/>
+              </a:rPr>
+              <a:t>/12</a:t>
+            </a:r>
+            <a:r>
+              <a:rPr lang="ko-KR" altLang="en-US" sz="2800">
+                <a:latin typeface="AppleSDGothicNeoH00" panose="02000503000000000000" pitchFamily="2" charset="-127"/>
+                <a:ea typeface="AppleSDGothicNeoH00" panose="02000503000000000000" pitchFamily="2" charset="-127"/>
+              </a:rPr>
+              <a:t>장 위치 코드 짜기</a:t>
+            </a:r>
+            <a:br>
+              <a:rPr lang="en-US" altLang="ko-KR" sz="2800">
+                <a:latin typeface="AppleSDGothicNeoH00" panose="02000503000000000000" pitchFamily="2" charset="-127"/>
+                <a:ea typeface="AppleSDGothicNeoH00" panose="02000503000000000000" pitchFamily="2" charset="-127"/>
+              </a:rPr>
+            </a:br>
+            <a:r>
+              <a:rPr lang="ko-KR" altLang="en-US" sz="2800">
+                <a:latin typeface="AppleSDGothicNeoH00" panose="02000503000000000000" pitchFamily="2" charset="-127"/>
+                <a:ea typeface="AppleSDGothicNeoH00" panose="02000503000000000000" pitchFamily="2" charset="-127"/>
+              </a:rPr>
+              <a:t>난이도별 카드 위치 계산해서 코드 짜기</a:t>
+            </a:r>
+            <a:endParaRPr lang="en-US" altLang="ko-KR" sz="2800">
+              <a:latin typeface="AppleSDGothicNeoH00" panose="02000503000000000000" pitchFamily="2" charset="-127"/>
+              <a:ea typeface="AppleSDGothicNeoH00" panose="02000503000000000000" pitchFamily="2" charset="-127"/>
+            </a:endParaRPr>
+          </a:p>
+          <a:p>
+            <a:r>
+              <a:rPr lang="ko-KR" altLang="en-US" sz="2800">
+                <a:latin typeface="AppleSDGothicNeoH00" panose="02000503000000000000" pitchFamily="2" charset="-127"/>
+                <a:ea typeface="AppleSDGothicNeoH00" panose="02000503000000000000" pitchFamily="2" charset="-127"/>
+              </a:rPr>
+              <a:t>태훈님 이미지 기준으로 만들고</a:t>
+            </a:r>
+            <a:br>
+              <a:rPr lang="en-US" altLang="ko-KR" sz="2800">
+                <a:latin typeface="AppleSDGothicNeoH00" panose="02000503000000000000" pitchFamily="2" charset="-127"/>
+                <a:ea typeface="AppleSDGothicNeoH00" panose="02000503000000000000" pitchFamily="2" charset="-127"/>
+              </a:rPr>
+            </a:br>
+            <a:r>
+              <a:rPr lang="ko-KR" altLang="en-US" sz="2800">
+                <a:latin typeface="AppleSDGothicNeoH00" panose="02000503000000000000" pitchFamily="2" charset="-127"/>
+                <a:ea typeface="AppleSDGothicNeoH00" panose="02000503000000000000" pitchFamily="2" charset="-127"/>
+              </a:rPr>
+              <a:t>정사각형으로 작업하기 </a:t>
+            </a:r>
+            <a:br>
+              <a:rPr lang="en-US" altLang="ko-KR" sz="2800">
+                <a:latin typeface="AppleSDGothicNeoH00" panose="02000503000000000000" pitchFamily="2" charset="-127"/>
+                <a:ea typeface="AppleSDGothicNeoH00" panose="02000503000000000000" pitchFamily="2" charset="-127"/>
+              </a:rPr>
+            </a:br>
+            <a:br>
+              <a:rPr lang="en-US" altLang="ko-KR" sz="2800">
+                <a:latin typeface="AppleSDGothicNeoH00" panose="02000503000000000000" pitchFamily="2" charset="-127"/>
+                <a:ea typeface="AppleSDGothicNeoH00" panose="02000503000000000000" pitchFamily="2" charset="-127"/>
+              </a:rPr>
+            </a:br>
+            <a:r>
+              <a:rPr lang="en-US" altLang="ko-KR" sz="2800">
+                <a:latin typeface="AppleSDGothicNeoH00" panose="02000503000000000000" pitchFamily="2" charset="-127"/>
+                <a:ea typeface="AppleSDGothicNeoH00" panose="02000503000000000000" pitchFamily="2" charset="-127"/>
+              </a:rPr>
+              <a:t>C. </a:t>
+            </a:r>
+            <a:br>
+              <a:rPr lang="en-US" altLang="ko-KR" sz="2800">
+                <a:latin typeface="AppleSDGothicNeoH00" panose="02000503000000000000" pitchFamily="2" charset="-127"/>
+                <a:ea typeface="AppleSDGothicNeoH00" panose="02000503000000000000" pitchFamily="2" charset="-127"/>
+              </a:rPr>
+            </a:br>
+            <a:r>
+              <a:rPr lang="ko-KR" altLang="en-US" sz="2800">
+                <a:latin typeface="AppleSDGothicNeoH00" panose="02000503000000000000" pitchFamily="2" charset="-127"/>
+                <a:ea typeface="AppleSDGothicNeoH00" panose="02000503000000000000" pitchFamily="2" charset="-127"/>
+              </a:rPr>
+              <a:t>성공</a:t>
+            </a:r>
+            <a:r>
+              <a:rPr lang="en-US" altLang="ko-KR" sz="2800">
+                <a:latin typeface="AppleSDGothicNeoH00" panose="02000503000000000000" pitchFamily="2" charset="-127"/>
+                <a:ea typeface="AppleSDGothicNeoH00" panose="02000503000000000000" pitchFamily="2" charset="-127"/>
+              </a:rPr>
+              <a:t>/</a:t>
+            </a:r>
+            <a:r>
+              <a:rPr lang="ko-KR" altLang="en-US" sz="2800">
+                <a:latin typeface="AppleSDGothicNeoH00" panose="02000503000000000000" pitchFamily="2" charset="-127"/>
+                <a:ea typeface="AppleSDGothicNeoH00" panose="02000503000000000000" pitchFamily="2" charset="-127"/>
+              </a:rPr>
+              <a:t>실패 팝업</a:t>
+            </a:r>
+            <a:r>
+              <a:rPr lang="en-US" altLang="ko-KR" sz="2800">
+                <a:latin typeface="AppleSDGothicNeoH00" panose="02000503000000000000" pitchFamily="2" charset="-127"/>
+                <a:ea typeface="AppleSDGothicNeoH00" panose="02000503000000000000" pitchFamily="2" charset="-127"/>
+              </a:rPr>
+              <a:t> </a:t>
+            </a:r>
+            <a:r>
+              <a:rPr lang="ko-KR" altLang="en-US" sz="2800">
+                <a:latin typeface="AppleSDGothicNeoH00" panose="02000503000000000000" pitchFamily="2" charset="-127"/>
+                <a:ea typeface="AppleSDGothicNeoH00" panose="02000503000000000000" pitchFamily="2" charset="-127"/>
+              </a:rPr>
+              <a:t>제작 </a:t>
+            </a:r>
+            <a:br>
+              <a:rPr lang="en-US" altLang="ko-KR" sz="2800">
+                <a:latin typeface="AppleSDGothicNeoH00" panose="02000503000000000000" pitchFamily="2" charset="-127"/>
+                <a:ea typeface="AppleSDGothicNeoH00" panose="02000503000000000000" pitchFamily="2" charset="-127"/>
+              </a:rPr>
+            </a:br>
+            <a:r>
+              <a:rPr lang="ko-KR" altLang="en-US" sz="2800">
+                <a:latin typeface="AppleSDGothicNeoH00" panose="02000503000000000000" pitchFamily="2" charset="-127"/>
+                <a:ea typeface="AppleSDGothicNeoH00" panose="02000503000000000000" pitchFamily="2" charset="-127"/>
+              </a:rPr>
+              <a:t>프리팹으로 </a:t>
+            </a:r>
+            <a:r>
+              <a:rPr lang="en-US" altLang="ko-KR" sz="2800">
+                <a:latin typeface="AppleSDGothicNeoH00" panose="02000503000000000000" pitchFamily="2" charset="-127"/>
+                <a:ea typeface="AppleSDGothicNeoH00" panose="02000503000000000000" pitchFamily="2" charset="-127"/>
+              </a:rPr>
+              <a:t>(</a:t>
+            </a:r>
+            <a:r>
+              <a:rPr lang="ko-KR" altLang="en-US" sz="2800">
+                <a:latin typeface="AppleSDGothicNeoH00" panose="02000503000000000000" pitchFamily="2" charset="-127"/>
+                <a:ea typeface="AppleSDGothicNeoH00" panose="02000503000000000000" pitchFamily="2" charset="-127"/>
+              </a:rPr>
+              <a:t>씬 넘어가는 스크립트까지</a:t>
+            </a:r>
+            <a:r>
+              <a:rPr lang="en-US" altLang="ko-KR" sz="2800">
+                <a:latin typeface="AppleSDGothicNeoH00" panose="02000503000000000000" pitchFamily="2" charset="-127"/>
+                <a:ea typeface="AppleSDGothicNeoH00" panose="02000503000000000000" pitchFamily="2" charset="-127"/>
+              </a:rPr>
+              <a:t>)</a:t>
+            </a:r>
+            <a:br>
+              <a:rPr lang="en-US" altLang="ko-KR" sz="2800">
+                <a:latin typeface="AppleSDGothicNeoH00" panose="02000503000000000000" pitchFamily="2" charset="-127"/>
+                <a:ea typeface="AppleSDGothicNeoH00" panose="02000503000000000000" pitchFamily="2" charset="-127"/>
+              </a:rPr>
+            </a:br>
+            <a:br>
+              <a:rPr lang="en-US" altLang="ko-KR" sz="2800">
+                <a:latin typeface="AppleSDGothicNeoH00" panose="02000503000000000000" pitchFamily="2" charset="-127"/>
+                <a:ea typeface="AppleSDGothicNeoH00" panose="02000503000000000000" pitchFamily="2" charset="-127"/>
+              </a:rPr>
+            </a:br>
+            <a:r>
+              <a:rPr lang="en-US" altLang="ko-KR" sz="2800">
+                <a:latin typeface="AppleSDGothicNeoH00" panose="02000503000000000000" pitchFamily="2" charset="-127"/>
+                <a:ea typeface="AppleSDGothicNeoH00" panose="02000503000000000000" pitchFamily="2" charset="-127"/>
+              </a:rPr>
+              <a:t>d.</a:t>
+            </a:r>
+            <a:r>
+              <a:rPr lang="ko-KR" altLang="en-US" sz="2800">
+                <a:latin typeface="AppleSDGothicNeoH00" panose="02000503000000000000" pitchFamily="2" charset="-127"/>
+                <a:ea typeface="AppleSDGothicNeoH00" panose="02000503000000000000" pitchFamily="2" charset="-127"/>
+              </a:rPr>
+              <a:t> </a:t>
+            </a:r>
+            <a:br>
+              <a:rPr lang="en-US" altLang="ko-KR" sz="2800">
+                <a:latin typeface="AppleSDGothicNeoH00" panose="02000503000000000000" pitchFamily="2" charset="-127"/>
+                <a:ea typeface="AppleSDGothicNeoH00" panose="02000503000000000000" pitchFamily="2" charset="-127"/>
+              </a:rPr>
+            </a:br>
+            <a:r>
+              <a:rPr lang="ko-KR" altLang="en-US" sz="2800">
+                <a:latin typeface="AppleSDGothicNeoH00" panose="02000503000000000000" pitchFamily="2" charset="-127"/>
+                <a:ea typeface="AppleSDGothicNeoH00" panose="02000503000000000000" pitchFamily="2" charset="-127"/>
+              </a:rPr>
+              <a:t>시간 줄어드는 코드 작업하기</a:t>
+            </a:r>
+            <a:br>
+              <a:rPr lang="en-US" altLang="ko-KR" sz="2800">
+                <a:latin typeface="AppleSDGothicNeoH00" panose="02000503000000000000" pitchFamily="2" charset="-127"/>
+                <a:ea typeface="AppleSDGothicNeoH00" panose="02000503000000000000" pitchFamily="2" charset="-127"/>
+              </a:rPr>
+            </a:br>
+            <a:r>
+              <a:rPr lang="en-US" altLang="ko-KR" sz="2800">
+                <a:latin typeface="AppleSDGothicNeoH00" panose="02000503000000000000" pitchFamily="2" charset="-127"/>
+                <a:ea typeface="AppleSDGothicNeoH00" panose="02000503000000000000" pitchFamily="2" charset="-127"/>
+              </a:rPr>
+              <a:t>+ </a:t>
+            </a:r>
+            <a:r>
+              <a:rPr lang="ko-KR" altLang="en-US" sz="2800">
+                <a:latin typeface="AppleSDGothicNeoH00" panose="02000503000000000000" pitchFamily="2" charset="-127"/>
+                <a:ea typeface="AppleSDGothicNeoH00" panose="02000503000000000000" pitchFamily="2" charset="-127"/>
+              </a:rPr>
+              <a:t>갤러리씬 양식</a:t>
+            </a:r>
+            <a:r>
+              <a:rPr lang="en-US" altLang="ko-KR" sz="2800">
+                <a:latin typeface="AppleSDGothicNeoH00" panose="02000503000000000000" pitchFamily="2" charset="-127"/>
+                <a:ea typeface="AppleSDGothicNeoH00" panose="02000503000000000000" pitchFamily="2" charset="-127"/>
+              </a:rPr>
+              <a:t>/</a:t>
+            </a:r>
+            <a:r>
+              <a:rPr lang="ko-KR" altLang="en-US" sz="2800">
+                <a:latin typeface="AppleSDGothicNeoH00" panose="02000503000000000000" pitchFamily="2" charset="-127"/>
+                <a:ea typeface="AppleSDGothicNeoH00" panose="02000503000000000000" pitchFamily="2" charset="-127"/>
+              </a:rPr>
+              <a:t>디자인 </a:t>
+            </a:r>
+            <a:endParaRPr lang="en-US" altLang="ko-KR" sz="2800">
+              <a:latin typeface="AppleSDGothicNeoH00" panose="02000503000000000000" pitchFamily="2" charset="-127"/>
+              <a:ea typeface="AppleSDGothicNeoH00" panose="02000503000000000000" pitchFamily="2" charset="-127"/>
+            </a:endParaRPr>
+          </a:p>
+          <a:p>
+            <a:endParaRPr lang="en-US" altLang="ko-KR" sz="2800">
+              <a:latin typeface="AppleSDGothicNeoH00" panose="02000503000000000000" pitchFamily="2" charset="-127"/>
+              <a:ea typeface="AppleSDGothicNeoH00" panose="02000503000000000000" pitchFamily="2" charset="-127"/>
+            </a:endParaRPr>
+          </a:p>
+          <a:p>
+            <a:pPr marL="457200" indent="-457200">
+              <a:buFontTx/>
+              <a:buChar char="-"/>
+            </a:pPr>
+            <a:r>
+              <a:rPr lang="ko-KR" altLang="en-US" sz="2800">
+                <a:latin typeface="AppleSDGothicNeoH00" panose="02000503000000000000" pitchFamily="2" charset="-127"/>
+                <a:ea typeface="AppleSDGothicNeoH00" panose="02000503000000000000" pitchFamily="2" charset="-127"/>
+              </a:rPr>
+              <a:t>배경색</a:t>
+            </a:r>
+            <a:r>
+              <a:rPr lang="en-US" altLang="ko-KR" sz="2800">
+                <a:latin typeface="AppleSDGothicNeoH00" panose="02000503000000000000" pitchFamily="2" charset="-127"/>
+                <a:ea typeface="AppleSDGothicNeoH00" panose="02000503000000000000" pitchFamily="2" charset="-127"/>
+              </a:rPr>
+              <a:t>/</a:t>
+            </a:r>
+            <a:r>
+              <a:rPr lang="ko-KR" altLang="en-US" sz="2800">
+                <a:latin typeface="AppleSDGothicNeoH00" panose="02000503000000000000" pitchFamily="2" charset="-127"/>
+                <a:ea typeface="AppleSDGothicNeoH00" panose="02000503000000000000" pitchFamily="2" charset="-127"/>
+              </a:rPr>
+              <a:t>크기</a:t>
+            </a:r>
+            <a:r>
+              <a:rPr lang="en-US" altLang="ko-KR" sz="2800">
+                <a:latin typeface="AppleSDGothicNeoH00" panose="02000503000000000000" pitchFamily="2" charset="-127"/>
+                <a:ea typeface="AppleSDGothicNeoH00" panose="02000503000000000000" pitchFamily="2" charset="-127"/>
+              </a:rPr>
+              <a:t>/</a:t>
+            </a:r>
+            <a:r>
+              <a:rPr lang="ko-KR" altLang="en-US" sz="2800">
+                <a:latin typeface="AppleSDGothicNeoH00" panose="02000503000000000000" pitchFamily="2" charset="-127"/>
+                <a:ea typeface="AppleSDGothicNeoH00" panose="02000503000000000000" pitchFamily="2" charset="-127"/>
+              </a:rPr>
+              <a:t>글씨체 나중에 통일 </a:t>
+            </a:r>
+          </a:p>
+        </p:txBody>
+      </p:sp>
+      <p:pic>
+        <p:nvPicPr>
+          <p:cNvPr id="6" name="그림 5">
+            <a:extLst>
+              <a:ext uri="{FF2B5EF4-FFF2-40B4-BE49-F238E27FC236}">
+                <a16:creationId xmlns:a16="http://schemas.microsoft.com/office/drawing/2014/main" id="{D0CF4855-8981-6D39-35F6-8188A5C7D11E}"/>
+              </a:ext>
+            </a:extLst>
+          </p:cNvPr>
+          <p:cNvPicPr>
+            <a:picLocks noChangeAspect="1"/>
+          </p:cNvPicPr>
+          <p:nvPr/>
+        </p:nvPicPr>
+        <p:blipFill>
+          <a:blip r:embed="rId2"/>
+          <a:stretch>
+            <a:fillRect/>
+          </a:stretch>
+        </p:blipFill>
+        <p:spPr>
+          <a:xfrm>
+            <a:off x="-4531911" y="0"/>
+            <a:ext cx="5345136" cy="6703331"/>
+          </a:xfrm>
+          <a:prstGeom prst="rect">
+            <a:avLst/>
+          </a:prstGeom>
+        </p:spPr>
+      </p:pic>
     </p:spTree>
     <p:extLst>
       <p:ext uri="{BB962C8B-B14F-4D97-AF65-F5344CB8AC3E}">
@@ -5782,8 +6265,8 @@
         </p:nvSpPr>
         <p:spPr>
           <a:xfrm>
-            <a:off x="2509822" y="5560693"/>
-            <a:ext cx="1898783" cy="144782"/>
+            <a:off x="2520280" y="5560692"/>
+            <a:ext cx="1888325" cy="189867"/>
           </a:xfrm>
           <a:prstGeom prst="flowChartTerminator">
             <a:avLst/>
